--- a/20250110 3D Brush Update.pptx
+++ b/20250110 3D Brush Update.pptx
@@ -110,6 +110,11 @@
       </a:defRPr>
     </a:lvl9pPr>
   </p:defaultTextStyle>
+  <p:extLst>
+    <p:ext uri="{EFAFB233-063F-42B5-8137-9DF3F51BA10A}">
+      <p15:sldGuideLst xmlns:p15="http://schemas.microsoft.com/office/powerpoint/2012/main"/>
+    </p:ext>
+  </p:extLst>
 </p:presentation>
 </file>
 
@@ -4666,7 +4671,7 @@
         </p:nvSpPr>
         <p:spPr>
           <a:xfrm>
-            <a:off x="8914350" y="2704218"/>
+            <a:off x="9031916" y="2704218"/>
             <a:ext cx="1642371" cy="646331"/>
           </a:xfrm>
           <a:prstGeom prst="rect">
@@ -4819,7 +4824,7 @@
         </p:blipFill>
         <p:spPr>
           <a:xfrm>
-            <a:off x="8991536" y="3730167"/>
+            <a:off x="9068723" y="3668301"/>
             <a:ext cx="1487998" cy="1812371"/>
           </a:xfrm>
           <a:prstGeom prst="rect">
@@ -6392,8 +6397,8 @@
         </p:blipFill>
         <p:spPr bwMode="auto">
           <a:xfrm>
-            <a:off x="9539452" y="2172941"/>
-            <a:ext cx="2228062" cy="1723531"/>
+            <a:off x="6955305" y="2172941"/>
+            <a:ext cx="4812209" cy="3722514"/>
           </a:xfrm>
           <a:prstGeom prst="rect">
             <a:avLst/>
